--- a/ppts/Lecture 2.pptx
+++ b/ppts/Lecture 2.pptx
@@ -3956,6 +3956,22 @@
               <a:rPr lang="en-US" dirty="0" smtClean="0"/>
               <a:t>Deploy to test-net</a:t>
             </a:r>
+          </a:p>
+          <a:p>
+            <a:r>
+              <a:rPr lang="en-US" dirty="0" smtClean="0"/>
+              <a:t>Code: </a:t>
+            </a:r>
+            <a:r>
+              <a:rPr lang="en-US" dirty="0" smtClean="0">
+                <a:hlinkClick r:id="rId2"/>
+              </a:rPr>
+              <a:t>https://github.com/4IRE-Labs/academy-practice/tree/master/lecture2/4ireCoin</a:t>
+            </a:r>
+            <a:r>
+              <a:rPr lang="en-US" dirty="0" smtClean="0"/>
+              <a:t> </a:t>
+            </a:r>
             <a:endParaRPr lang="en-US" dirty="0"/>
           </a:p>
         </p:txBody>
@@ -4043,6 +4059,19 @@
             <a:r>
               <a:rPr lang="en-US" dirty="0" err="1" smtClean="0"/>
               <a:t>TestNet</a:t>
+            </a:r>
+            <a:endParaRPr lang="en-US" dirty="0" smtClean="0"/>
+          </a:p>
+          <a:p>
+            <a:r>
+              <a:rPr lang="en-US" dirty="0" smtClean="0">
+                <a:hlinkClick r:id="rId2"/>
+              </a:rPr>
+              <a:t>https://www.udemy.com/course/ethereum-masterclass/</a:t>
+            </a:r>
+            <a:r>
+              <a:rPr lang="en-US" dirty="0" smtClean="0"/>
+              <a:t> </a:t>
             </a:r>
             <a:endParaRPr lang="en-US" dirty="0"/>
           </a:p>

--- a/ppts/Lecture 2.pptx
+++ b/ppts/Lecture 2.pptx
@@ -120,6 +120,11 @@
       </a:defRPr>
     </a:lvl9pPr>
   </p:defaultTextStyle>
+  <p:extLst>
+    <p:ext uri="{EFAFB233-063F-42B5-8137-9DF3F51BA10A}">
+      <p15:sldGuideLst xmlns:p15="http://schemas.microsoft.com/office/powerpoint/2012/main"/>
+    </p:ext>
+  </p:extLst>
 </p:presentation>
 </file>
 
@@ -3941,30 +3946,70 @@
           <a:lstStyle/>
           <a:p>
             <a:r>
-              <a:rPr lang="en-US" dirty="0" smtClean="0"/>
-              <a:t>Use Ganache and Truffle</a:t>
-            </a:r>
-          </a:p>
-          <a:p>
-            <a:r>
-              <a:rPr lang="en-US" dirty="0" smtClean="0"/>
-              <a:t>Develop first small smart-contract (ERC-20 Token)</a:t>
-            </a:r>
-          </a:p>
-          <a:p>
-            <a:r>
-              <a:rPr lang="en-US" dirty="0" smtClean="0"/>
-              <a:t>Deploy to test-net</a:t>
-            </a:r>
-          </a:p>
-          <a:p>
-            <a:r>
-              <a:rPr lang="en-US" dirty="0" smtClean="0"/>
-              <a:t>Code: </a:t>
+              <a:rPr lang="en-US" dirty="0"/>
+              <a:t>Setup wallet </a:t>
+            </a:r>
+            <a:r>
+              <a:rPr lang="en-US" dirty="0">
+                <a:hlinkClick r:id="rId2"/>
+              </a:rPr>
+              <a:t>https://metamask.io</a:t>
             </a:r>
             <a:r>
               <a:rPr lang="en-US" dirty="0" smtClean="0">
                 <a:hlinkClick r:id="rId2"/>
+              </a:rPr>
+              <a:t>/</a:t>
+            </a:r>
+            <a:r>
+              <a:rPr lang="en-US" dirty="0" smtClean="0"/>
+              <a:t> </a:t>
+            </a:r>
+            <a:endParaRPr lang="en-US" dirty="0"/>
+          </a:p>
+          <a:p>
+            <a:r>
+              <a:rPr lang="en-US" dirty="0" smtClean="0"/>
+              <a:t>Use </a:t>
+            </a:r>
+            <a:r>
+              <a:rPr lang="en-US" dirty="0" smtClean="0"/>
+              <a:t>Ganache and Truffle</a:t>
+            </a:r>
+          </a:p>
+          <a:p>
+            <a:r>
+              <a:rPr lang="en-US" dirty="0" smtClean="0"/>
+              <a:t>Develop first small smart-contract (ERC-20 Token)</a:t>
+            </a:r>
+          </a:p>
+          <a:p>
+            <a:r>
+              <a:rPr lang="en-US" dirty="0" smtClean="0"/>
+              <a:t>Deploy to </a:t>
+            </a:r>
+            <a:r>
+              <a:rPr lang="en-US" dirty="0"/>
+              <a:t>test-net (https://</a:t>
+            </a:r>
+            <a:r>
+              <a:rPr lang="en-US" dirty="0" err="1"/>
+              <a:t>faucet.rinkeby.io</a:t>
+            </a:r>
+            <a:r>
+              <a:rPr lang="en-US" dirty="0" smtClean="0"/>
+              <a:t>/)</a:t>
+            </a:r>
+            <a:endParaRPr lang="en-US" dirty="0" smtClean="0"/>
+          </a:p>
+          <a:p>
+            <a:r>
+              <a:rPr lang="en-US" dirty="0" smtClean="0"/>
+              <a:t>Code: </a:t>
+            </a:r>
+            <a:r>
+              <a:rPr lang="en-US" dirty="0" smtClean="0">
+                <a:hlinkClick r:id="rId3"/>
               </a:rPr>
               <a:t>https://github.com/4IRE-Labs/academy-practice/tree/master/lecture2/4ireCoin</a:t>
             </a:r>
